--- a/74. Raising Error.pptx
+++ b/74. Raising Error.pptx
@@ -5,12 +5,13 @@
     <p:sldMasterId id="2147483648" r:id="rId1"/>
   </p:sldMasterIdLst>
   <p:sldIdLst>
-    <p:sldId id="256" r:id="rId2"/>
-    <p:sldId id="257" r:id="rId3"/>
-    <p:sldId id="258" r:id="rId4"/>
-    <p:sldId id="259" r:id="rId5"/>
-    <p:sldId id="260" r:id="rId6"/>
-    <p:sldId id="261" r:id="rId7"/>
+    <p:sldId id="262" r:id="rId2"/>
+    <p:sldId id="256" r:id="rId3"/>
+    <p:sldId id="257" r:id="rId4"/>
+    <p:sldId id="258" r:id="rId5"/>
+    <p:sldId id="259" r:id="rId6"/>
+    <p:sldId id="260" r:id="rId7"/>
+    <p:sldId id="261" r:id="rId8"/>
   </p:sldIdLst>
   <p:sldSz cx="12192000" cy="6858000"/>
   <p:notesSz cx="6858000" cy="9144000"/>
@@ -109,6 +110,11 @@
       </a:defRPr>
     </a:lvl9pPr>
   </p:defaultTextStyle>
+  <p:extLst>
+    <p:ext uri="{EFAFB233-063F-42B5-8137-9DF3F51BA10A}">
+      <p15:sldGuideLst xmlns:p15="http://schemas.microsoft.com/office/powerpoint/2012/main"/>
+    </p:ext>
+  </p:extLst>
 </p:presentation>
 </file>
 
@@ -154,10 +160,9 @@
           </a:lstStyle>
           <a:p>
             <a:r>
-              <a:rPr lang="en-US" smtClean="0"/>
+              <a:rPr lang="en-US"/>
               <a:t>Click to edit Master title style</a:t>
             </a:r>
-            <a:endParaRPr lang="en-US"/>
           </a:p>
         </p:txBody>
       </p:sp>
@@ -219,10 +224,9 @@
           </a:lstStyle>
           <a:p>
             <a:r>
-              <a:rPr lang="en-US" smtClean="0"/>
+              <a:rPr lang="en-US"/>
               <a:t>Click to edit Master subtitle style</a:t>
             </a:r>
-            <a:endParaRPr lang="en-US"/>
           </a:p>
         </p:txBody>
       </p:sp>
@@ -243,7 +247,7 @@
           <a:p>
             <a:fld id="{2BDF9693-EA7D-4052-81F6-941945CB5E93}" type="datetimeFigureOut">
               <a:rPr lang="en-US" smtClean="0"/>
-              <a:t>1/19/2019</a:t>
+              <a:t>1/26/2019</a:t>
             </a:fld>
             <a:endParaRPr lang="en-US"/>
           </a:p>
@@ -337,10 +341,9 @@
           <a:lstStyle/>
           <a:p>
             <a:r>
-              <a:rPr lang="en-US" smtClean="0"/>
+              <a:rPr lang="en-US"/>
               <a:t>Click to edit Master title style</a:t>
             </a:r>
-            <a:endParaRPr lang="en-US"/>
           </a:p>
         </p:txBody>
       </p:sp>
@@ -361,38 +364,37 @@
           <a:p>
             <a:pPr lvl="0"/>
             <a:r>
-              <a:rPr lang="en-US" smtClean="0"/>
+              <a:rPr lang="en-US"/>
               <a:t>Edit Master text styles</a:t>
             </a:r>
           </a:p>
           <a:p>
             <a:pPr lvl="1"/>
             <a:r>
-              <a:rPr lang="en-US" smtClean="0"/>
+              <a:rPr lang="en-US"/>
               <a:t>Second level</a:t>
             </a:r>
           </a:p>
           <a:p>
             <a:pPr lvl="2"/>
             <a:r>
-              <a:rPr lang="en-US" smtClean="0"/>
+              <a:rPr lang="en-US"/>
               <a:t>Third level</a:t>
             </a:r>
           </a:p>
           <a:p>
             <a:pPr lvl="3"/>
             <a:r>
-              <a:rPr lang="en-US" smtClean="0"/>
+              <a:rPr lang="en-US"/>
               <a:t>Fourth level</a:t>
             </a:r>
           </a:p>
           <a:p>
             <a:pPr lvl="4"/>
             <a:r>
-              <a:rPr lang="en-US" smtClean="0"/>
+              <a:rPr lang="en-US"/>
               <a:t>Fifth level</a:t>
             </a:r>
-            <a:endParaRPr lang="en-US"/>
           </a:p>
         </p:txBody>
       </p:sp>
@@ -413,7 +415,7 @@
           <a:p>
             <a:fld id="{2BDF9693-EA7D-4052-81F6-941945CB5E93}" type="datetimeFigureOut">
               <a:rPr lang="en-US" smtClean="0"/>
-              <a:t>1/19/2019</a:t>
+              <a:t>1/26/2019</a:t>
             </a:fld>
             <a:endParaRPr lang="en-US"/>
           </a:p>
@@ -512,10 +514,9 @@
           <a:lstStyle/>
           <a:p>
             <a:r>
-              <a:rPr lang="en-US" smtClean="0"/>
+              <a:rPr lang="en-US"/>
               <a:t>Click to edit Master title style</a:t>
             </a:r>
-            <a:endParaRPr lang="en-US"/>
           </a:p>
         </p:txBody>
       </p:sp>
@@ -541,38 +542,37 @@
           <a:p>
             <a:pPr lvl="0"/>
             <a:r>
-              <a:rPr lang="en-US" smtClean="0"/>
+              <a:rPr lang="en-US"/>
               <a:t>Edit Master text styles</a:t>
             </a:r>
           </a:p>
           <a:p>
             <a:pPr lvl="1"/>
             <a:r>
-              <a:rPr lang="en-US" smtClean="0"/>
+              <a:rPr lang="en-US"/>
               <a:t>Second level</a:t>
             </a:r>
           </a:p>
           <a:p>
             <a:pPr lvl="2"/>
             <a:r>
-              <a:rPr lang="en-US" smtClean="0"/>
+              <a:rPr lang="en-US"/>
               <a:t>Third level</a:t>
             </a:r>
           </a:p>
           <a:p>
             <a:pPr lvl="3"/>
             <a:r>
-              <a:rPr lang="en-US" smtClean="0"/>
+              <a:rPr lang="en-US"/>
               <a:t>Fourth level</a:t>
             </a:r>
           </a:p>
           <a:p>
             <a:pPr lvl="4"/>
             <a:r>
-              <a:rPr lang="en-US" smtClean="0"/>
+              <a:rPr lang="en-US"/>
               <a:t>Fifth level</a:t>
             </a:r>
-            <a:endParaRPr lang="en-US"/>
           </a:p>
         </p:txBody>
       </p:sp>
@@ -593,7 +593,7 @@
           <a:p>
             <a:fld id="{2BDF9693-EA7D-4052-81F6-941945CB5E93}" type="datetimeFigureOut">
               <a:rPr lang="en-US" smtClean="0"/>
-              <a:t>1/19/2019</a:t>
+              <a:t>1/26/2019</a:t>
             </a:fld>
             <a:endParaRPr lang="en-US"/>
           </a:p>
@@ -687,10 +687,9 @@
           <a:lstStyle/>
           <a:p>
             <a:r>
-              <a:rPr lang="en-US" smtClean="0"/>
+              <a:rPr lang="en-US"/>
               <a:t>Click to edit Master title style</a:t>
             </a:r>
-            <a:endParaRPr lang="en-US"/>
           </a:p>
         </p:txBody>
       </p:sp>
@@ -711,38 +710,37 @@
           <a:p>
             <a:pPr lvl="0"/>
             <a:r>
-              <a:rPr lang="en-US" smtClean="0"/>
+              <a:rPr lang="en-US"/>
               <a:t>Edit Master text styles</a:t>
             </a:r>
           </a:p>
           <a:p>
             <a:pPr lvl="1"/>
             <a:r>
-              <a:rPr lang="en-US" smtClean="0"/>
+              <a:rPr lang="en-US"/>
               <a:t>Second level</a:t>
             </a:r>
           </a:p>
           <a:p>
             <a:pPr lvl="2"/>
             <a:r>
-              <a:rPr lang="en-US" smtClean="0"/>
+              <a:rPr lang="en-US"/>
               <a:t>Third level</a:t>
             </a:r>
           </a:p>
           <a:p>
             <a:pPr lvl="3"/>
             <a:r>
-              <a:rPr lang="en-US" smtClean="0"/>
+              <a:rPr lang="en-US"/>
               <a:t>Fourth level</a:t>
             </a:r>
           </a:p>
           <a:p>
             <a:pPr lvl="4"/>
             <a:r>
-              <a:rPr lang="en-US" smtClean="0"/>
+              <a:rPr lang="en-US"/>
               <a:t>Fifth level</a:t>
             </a:r>
-            <a:endParaRPr lang="en-US"/>
           </a:p>
         </p:txBody>
       </p:sp>
@@ -763,7 +761,7 @@
           <a:p>
             <a:fld id="{2BDF9693-EA7D-4052-81F6-941945CB5E93}" type="datetimeFigureOut">
               <a:rPr lang="en-US" smtClean="0"/>
-              <a:t>1/19/2019</a:t>
+              <a:t>1/26/2019</a:t>
             </a:fld>
             <a:endParaRPr lang="en-US"/>
           </a:p>
@@ -866,10 +864,9 @@
           </a:lstStyle>
           <a:p>
             <a:r>
-              <a:rPr lang="en-US" smtClean="0"/>
+              <a:rPr lang="en-US"/>
               <a:t>Click to edit Master title style</a:t>
             </a:r>
-            <a:endParaRPr lang="en-US"/>
           </a:p>
         </p:txBody>
       </p:sp>
@@ -986,7 +983,7 @@
           <a:p>
             <a:pPr lvl="0"/>
             <a:r>
-              <a:rPr lang="en-US" smtClean="0"/>
+              <a:rPr lang="en-US"/>
               <a:t>Edit Master text styles</a:t>
             </a:r>
           </a:p>
@@ -1009,7 +1006,7 @@
           <a:p>
             <a:fld id="{2BDF9693-EA7D-4052-81F6-941945CB5E93}" type="datetimeFigureOut">
               <a:rPr lang="en-US" smtClean="0"/>
-              <a:t>1/19/2019</a:t>
+              <a:t>1/26/2019</a:t>
             </a:fld>
             <a:endParaRPr lang="en-US"/>
           </a:p>
@@ -1103,10 +1100,9 @@
           <a:lstStyle/>
           <a:p>
             <a:r>
-              <a:rPr lang="en-US" smtClean="0"/>
+              <a:rPr lang="en-US"/>
               <a:t>Click to edit Master title style</a:t>
             </a:r>
-            <a:endParaRPr lang="en-US"/>
           </a:p>
         </p:txBody>
       </p:sp>
@@ -1132,38 +1128,37 @@
           <a:p>
             <a:pPr lvl="0"/>
             <a:r>
-              <a:rPr lang="en-US" smtClean="0"/>
+              <a:rPr lang="en-US"/>
               <a:t>Edit Master text styles</a:t>
             </a:r>
           </a:p>
           <a:p>
             <a:pPr lvl="1"/>
             <a:r>
-              <a:rPr lang="en-US" smtClean="0"/>
+              <a:rPr lang="en-US"/>
               <a:t>Second level</a:t>
             </a:r>
           </a:p>
           <a:p>
             <a:pPr lvl="2"/>
             <a:r>
-              <a:rPr lang="en-US" smtClean="0"/>
+              <a:rPr lang="en-US"/>
               <a:t>Third level</a:t>
             </a:r>
           </a:p>
           <a:p>
             <a:pPr lvl="3"/>
             <a:r>
-              <a:rPr lang="en-US" smtClean="0"/>
+              <a:rPr lang="en-US"/>
               <a:t>Fourth level</a:t>
             </a:r>
           </a:p>
           <a:p>
             <a:pPr lvl="4"/>
             <a:r>
-              <a:rPr lang="en-US" smtClean="0"/>
+              <a:rPr lang="en-US"/>
               <a:t>Fifth level</a:t>
             </a:r>
-            <a:endParaRPr lang="en-US"/>
           </a:p>
         </p:txBody>
       </p:sp>
@@ -1189,38 +1184,37 @@
           <a:p>
             <a:pPr lvl="0"/>
             <a:r>
-              <a:rPr lang="en-US" smtClean="0"/>
+              <a:rPr lang="en-US"/>
               <a:t>Edit Master text styles</a:t>
             </a:r>
           </a:p>
           <a:p>
             <a:pPr lvl="1"/>
             <a:r>
-              <a:rPr lang="en-US" smtClean="0"/>
+              <a:rPr lang="en-US"/>
               <a:t>Second level</a:t>
             </a:r>
           </a:p>
           <a:p>
             <a:pPr lvl="2"/>
             <a:r>
-              <a:rPr lang="en-US" smtClean="0"/>
+              <a:rPr lang="en-US"/>
               <a:t>Third level</a:t>
             </a:r>
           </a:p>
           <a:p>
             <a:pPr lvl="3"/>
             <a:r>
-              <a:rPr lang="en-US" smtClean="0"/>
+              <a:rPr lang="en-US"/>
               <a:t>Fourth level</a:t>
             </a:r>
           </a:p>
           <a:p>
             <a:pPr lvl="4"/>
             <a:r>
-              <a:rPr lang="en-US" smtClean="0"/>
+              <a:rPr lang="en-US"/>
               <a:t>Fifth level</a:t>
             </a:r>
-            <a:endParaRPr lang="en-US"/>
           </a:p>
         </p:txBody>
       </p:sp>
@@ -1241,7 +1235,7 @@
           <a:p>
             <a:fld id="{2BDF9693-EA7D-4052-81F6-941945CB5E93}" type="datetimeFigureOut">
               <a:rPr lang="en-US" smtClean="0"/>
-              <a:t>1/19/2019</a:t>
+              <a:t>1/26/2019</a:t>
             </a:fld>
             <a:endParaRPr lang="en-US"/>
           </a:p>
@@ -1340,10 +1334,9 @@
           <a:lstStyle/>
           <a:p>
             <a:r>
-              <a:rPr lang="en-US" smtClean="0"/>
+              <a:rPr lang="en-US"/>
               <a:t>Click to edit Master title style</a:t>
             </a:r>
-            <a:endParaRPr lang="en-US"/>
           </a:p>
         </p:txBody>
       </p:sp>
@@ -1406,7 +1399,7 @@
           <a:p>
             <a:pPr lvl="0"/>
             <a:r>
-              <a:rPr lang="en-US" smtClean="0"/>
+              <a:rPr lang="en-US"/>
               <a:t>Edit Master text styles</a:t>
             </a:r>
           </a:p>
@@ -1434,38 +1427,37 @@
           <a:p>
             <a:pPr lvl="0"/>
             <a:r>
-              <a:rPr lang="en-US" smtClean="0"/>
+              <a:rPr lang="en-US"/>
               <a:t>Edit Master text styles</a:t>
             </a:r>
           </a:p>
           <a:p>
             <a:pPr lvl="1"/>
             <a:r>
-              <a:rPr lang="en-US" smtClean="0"/>
+              <a:rPr lang="en-US"/>
               <a:t>Second level</a:t>
             </a:r>
           </a:p>
           <a:p>
             <a:pPr lvl="2"/>
             <a:r>
-              <a:rPr lang="en-US" smtClean="0"/>
+              <a:rPr lang="en-US"/>
               <a:t>Third level</a:t>
             </a:r>
           </a:p>
           <a:p>
             <a:pPr lvl="3"/>
             <a:r>
-              <a:rPr lang="en-US" smtClean="0"/>
+              <a:rPr lang="en-US"/>
               <a:t>Fourth level</a:t>
             </a:r>
           </a:p>
           <a:p>
             <a:pPr lvl="4"/>
             <a:r>
-              <a:rPr lang="en-US" smtClean="0"/>
+              <a:rPr lang="en-US"/>
               <a:t>Fifth level</a:t>
             </a:r>
-            <a:endParaRPr lang="en-US"/>
           </a:p>
         </p:txBody>
       </p:sp>
@@ -1528,7 +1520,7 @@
           <a:p>
             <a:pPr lvl="0"/>
             <a:r>
-              <a:rPr lang="en-US" smtClean="0"/>
+              <a:rPr lang="en-US"/>
               <a:t>Edit Master text styles</a:t>
             </a:r>
           </a:p>
@@ -1556,38 +1548,37 @@
           <a:p>
             <a:pPr lvl="0"/>
             <a:r>
-              <a:rPr lang="en-US" smtClean="0"/>
+              <a:rPr lang="en-US"/>
               <a:t>Edit Master text styles</a:t>
             </a:r>
           </a:p>
           <a:p>
             <a:pPr lvl="1"/>
             <a:r>
-              <a:rPr lang="en-US" smtClean="0"/>
+              <a:rPr lang="en-US"/>
               <a:t>Second level</a:t>
             </a:r>
           </a:p>
           <a:p>
             <a:pPr lvl="2"/>
             <a:r>
-              <a:rPr lang="en-US" smtClean="0"/>
+              <a:rPr lang="en-US"/>
               <a:t>Third level</a:t>
             </a:r>
           </a:p>
           <a:p>
             <a:pPr lvl="3"/>
             <a:r>
-              <a:rPr lang="en-US" smtClean="0"/>
+              <a:rPr lang="en-US"/>
               <a:t>Fourth level</a:t>
             </a:r>
           </a:p>
           <a:p>
             <a:pPr lvl="4"/>
             <a:r>
-              <a:rPr lang="en-US" smtClean="0"/>
+              <a:rPr lang="en-US"/>
               <a:t>Fifth level</a:t>
             </a:r>
-            <a:endParaRPr lang="en-US"/>
           </a:p>
         </p:txBody>
       </p:sp>
@@ -1608,7 +1599,7 @@
           <a:p>
             <a:fld id="{2BDF9693-EA7D-4052-81F6-941945CB5E93}" type="datetimeFigureOut">
               <a:rPr lang="en-US" smtClean="0"/>
-              <a:t>1/19/2019</a:t>
+              <a:t>1/26/2019</a:t>
             </a:fld>
             <a:endParaRPr lang="en-US"/>
           </a:p>
@@ -1702,10 +1693,9 @@
           <a:lstStyle/>
           <a:p>
             <a:r>
-              <a:rPr lang="en-US" smtClean="0"/>
+              <a:rPr lang="en-US"/>
               <a:t>Click to edit Master title style</a:t>
             </a:r>
-            <a:endParaRPr lang="en-US"/>
           </a:p>
         </p:txBody>
       </p:sp>
@@ -1726,7 +1716,7 @@
           <a:p>
             <a:fld id="{2BDF9693-EA7D-4052-81F6-941945CB5E93}" type="datetimeFigureOut">
               <a:rPr lang="en-US" smtClean="0"/>
-              <a:t>1/19/2019</a:t>
+              <a:t>1/26/2019</a:t>
             </a:fld>
             <a:endParaRPr lang="en-US"/>
           </a:p>
@@ -1821,7 +1811,7 @@
           <a:p>
             <a:fld id="{2BDF9693-EA7D-4052-81F6-941945CB5E93}" type="datetimeFigureOut">
               <a:rPr lang="en-US" smtClean="0"/>
-              <a:t>1/19/2019</a:t>
+              <a:t>1/26/2019</a:t>
             </a:fld>
             <a:endParaRPr lang="en-US"/>
           </a:p>
@@ -1924,10 +1914,9 @@
           </a:lstStyle>
           <a:p>
             <a:r>
-              <a:rPr lang="en-US" smtClean="0"/>
+              <a:rPr lang="en-US"/>
               <a:t>Click to edit Master title style</a:t>
             </a:r>
-            <a:endParaRPr lang="en-US"/>
           </a:p>
         </p:txBody>
       </p:sp>
@@ -1981,38 +1970,37 @@
           <a:p>
             <a:pPr lvl="0"/>
             <a:r>
-              <a:rPr lang="en-US" smtClean="0"/>
+              <a:rPr lang="en-US"/>
               <a:t>Edit Master text styles</a:t>
             </a:r>
           </a:p>
           <a:p>
             <a:pPr lvl="1"/>
             <a:r>
-              <a:rPr lang="en-US" smtClean="0"/>
+              <a:rPr lang="en-US"/>
               <a:t>Second level</a:t>
             </a:r>
           </a:p>
           <a:p>
             <a:pPr lvl="2"/>
             <a:r>
-              <a:rPr lang="en-US" smtClean="0"/>
+              <a:rPr lang="en-US"/>
               <a:t>Third level</a:t>
             </a:r>
           </a:p>
           <a:p>
             <a:pPr lvl="3"/>
             <a:r>
-              <a:rPr lang="en-US" smtClean="0"/>
+              <a:rPr lang="en-US"/>
               <a:t>Fourth level</a:t>
             </a:r>
           </a:p>
           <a:p>
             <a:pPr lvl="4"/>
             <a:r>
-              <a:rPr lang="en-US" smtClean="0"/>
+              <a:rPr lang="en-US"/>
               <a:t>Fifth level</a:t>
             </a:r>
-            <a:endParaRPr lang="en-US"/>
           </a:p>
         </p:txBody>
       </p:sp>
@@ -2075,7 +2063,7 @@
           <a:p>
             <a:pPr lvl="0"/>
             <a:r>
-              <a:rPr lang="en-US" smtClean="0"/>
+              <a:rPr lang="en-US"/>
               <a:t>Edit Master text styles</a:t>
             </a:r>
           </a:p>
@@ -2098,7 +2086,7 @@
           <a:p>
             <a:fld id="{2BDF9693-EA7D-4052-81F6-941945CB5E93}" type="datetimeFigureOut">
               <a:rPr lang="en-US" smtClean="0"/>
-              <a:t>1/19/2019</a:t>
+              <a:t>1/26/2019</a:t>
             </a:fld>
             <a:endParaRPr lang="en-US"/>
           </a:p>
@@ -2201,10 +2189,9 @@
           </a:lstStyle>
           <a:p>
             <a:r>
-              <a:rPr lang="en-US" smtClean="0"/>
+              <a:rPr lang="en-US"/>
               <a:t>Click to edit Master title style</a:t>
             </a:r>
-            <a:endParaRPr lang="en-US"/>
           </a:p>
         </p:txBody>
       </p:sp>
@@ -2328,7 +2315,7 @@
           <a:p>
             <a:pPr lvl="0"/>
             <a:r>
-              <a:rPr lang="en-US" smtClean="0"/>
+              <a:rPr lang="en-US"/>
               <a:t>Edit Master text styles</a:t>
             </a:r>
           </a:p>
@@ -2351,7 +2338,7 @@
           <a:p>
             <a:fld id="{2BDF9693-EA7D-4052-81F6-941945CB5E93}" type="datetimeFigureOut">
               <a:rPr lang="en-US" smtClean="0"/>
-              <a:t>1/19/2019</a:t>
+              <a:t>1/26/2019</a:t>
             </a:fld>
             <a:endParaRPr lang="en-US"/>
           </a:p>
@@ -2460,10 +2447,9 @@
           <a:lstStyle/>
           <a:p>
             <a:r>
-              <a:rPr lang="en-US" smtClean="0"/>
+              <a:rPr lang="en-US"/>
               <a:t>Click to edit Master title style</a:t>
             </a:r>
-            <a:endParaRPr lang="en-US"/>
           </a:p>
         </p:txBody>
       </p:sp>
@@ -2494,38 +2480,37 @@
           <a:p>
             <a:pPr lvl="0"/>
             <a:r>
-              <a:rPr lang="en-US" smtClean="0"/>
+              <a:rPr lang="en-US"/>
               <a:t>Edit Master text styles</a:t>
             </a:r>
           </a:p>
           <a:p>
             <a:pPr lvl="1"/>
             <a:r>
-              <a:rPr lang="en-US" smtClean="0"/>
+              <a:rPr lang="en-US"/>
               <a:t>Second level</a:t>
             </a:r>
           </a:p>
           <a:p>
             <a:pPr lvl="2"/>
             <a:r>
-              <a:rPr lang="en-US" smtClean="0"/>
+              <a:rPr lang="en-US"/>
               <a:t>Third level</a:t>
             </a:r>
           </a:p>
           <a:p>
             <a:pPr lvl="3"/>
             <a:r>
-              <a:rPr lang="en-US" smtClean="0"/>
+              <a:rPr lang="en-US"/>
               <a:t>Fourth level</a:t>
             </a:r>
           </a:p>
           <a:p>
             <a:pPr lvl="4"/>
             <a:r>
-              <a:rPr lang="en-US" smtClean="0"/>
+              <a:rPr lang="en-US"/>
               <a:t>Fifth level</a:t>
             </a:r>
-            <a:endParaRPr lang="en-US"/>
           </a:p>
         </p:txBody>
       </p:sp>
@@ -2564,7 +2549,7 @@
           <a:p>
             <a:fld id="{2BDF9693-EA7D-4052-81F6-941945CB5E93}" type="datetimeFigureOut">
               <a:rPr lang="en-US" smtClean="0"/>
-              <a:t>1/19/2019</a:t>
+              <a:t>1/26/2019</a:t>
             </a:fld>
             <a:endParaRPr lang="en-US"/>
           </a:p>
@@ -2971,6 +2956,182 @@
       </p:grpSpPr>
       <p:sp>
         <p:nvSpPr>
+          <p:cNvPr id="2" name="Title 1">
+            <a:extLst>
+              <a:ext uri="{FF2B5EF4-FFF2-40B4-BE49-F238E27FC236}">
+                <a16:creationId xmlns:a16="http://schemas.microsoft.com/office/drawing/2014/main" id="{3763DAE7-D604-43D7-B26C-80D46575DF5E}"/>
+              </a:ext>
+            </a:extLst>
+          </p:cNvPr>
+          <p:cNvSpPr>
+            <a:spLocks noGrp="1"/>
+          </p:cNvSpPr>
+          <p:nvPr>
+            <p:ph type="title"/>
+          </p:nvPr>
+        </p:nvSpPr>
+        <p:spPr/>
+        <p:txBody>
+          <a:bodyPr/>
+          <a:lstStyle/>
+          <a:p>
+            <a:endParaRPr lang="en-US"/>
+          </a:p>
+        </p:txBody>
+      </p:sp>
+      <p:sp>
+        <p:nvSpPr>
+          <p:cNvPr id="3" name="Content Placeholder 2">
+            <a:extLst>
+              <a:ext uri="{FF2B5EF4-FFF2-40B4-BE49-F238E27FC236}">
+                <a16:creationId xmlns:a16="http://schemas.microsoft.com/office/drawing/2014/main" id="{8DF6B814-049E-4779-B91D-B725C2032D16}"/>
+              </a:ext>
+            </a:extLst>
+          </p:cNvPr>
+          <p:cNvSpPr>
+            <a:spLocks noGrp="1"/>
+          </p:cNvSpPr>
+          <p:nvPr>
+            <p:ph idx="1"/>
+          </p:nvPr>
+        </p:nvSpPr>
+        <p:spPr/>
+        <p:txBody>
+          <a:bodyPr/>
+          <a:lstStyle/>
+          <a:p>
+            <a:endParaRPr lang="en-US"/>
+          </a:p>
+        </p:txBody>
+      </p:sp>
+      <p:sp>
+        <p:nvSpPr>
+          <p:cNvPr id="4" name="Rectangle 3">
+            <a:extLst>
+              <a:ext uri="{FF2B5EF4-FFF2-40B4-BE49-F238E27FC236}">
+                <a16:creationId xmlns:a16="http://schemas.microsoft.com/office/drawing/2014/main" id="{09263B82-D4F4-41BA-80F6-FA4AAE6A172D}"/>
+              </a:ext>
+            </a:extLst>
+          </p:cNvPr>
+          <p:cNvSpPr/>
+          <p:nvPr/>
+        </p:nvSpPr>
+        <p:spPr>
+          <a:xfrm>
+            <a:off x="0" y="0"/>
+            <a:ext cx="12192000" cy="6858000"/>
+          </a:xfrm>
+          <a:prstGeom prst="rect">
+            <a:avLst/>
+          </a:prstGeom>
+          <a:solidFill>
+            <a:srgbClr val="1C3B56"/>
+          </a:solidFill>
+        </p:spPr>
+        <p:style>
+          <a:lnRef idx="2">
+            <a:schemeClr val="accent1">
+              <a:shade val="50000"/>
+            </a:schemeClr>
+          </a:lnRef>
+          <a:fillRef idx="1">
+            <a:schemeClr val="accent1"/>
+          </a:fillRef>
+          <a:effectRef idx="0">
+            <a:schemeClr val="accent1"/>
+          </a:effectRef>
+          <a:fontRef idx="minor">
+            <a:schemeClr val="lt1"/>
+          </a:fontRef>
+        </p:style>
+        <p:txBody>
+          <a:bodyPr rtlCol="0" anchor="ctr"/>
+          <a:lstStyle/>
+          <a:p>
+            <a:pPr lvl="2" algn="ctr">
+              <a:defRPr/>
+            </a:pPr>
+            <a:r>
+              <a:rPr lang="en-US" sz="4800" dirty="0">
+                <a:solidFill>
+                  <a:prstClr val="white"/>
+                </a:solidFill>
+                <a:latin typeface="Source Sans Pro Light" panose="020B0403030403020204" pitchFamily="34" charset="0"/>
+                <a:ea typeface="Source Sans Pro Light" panose="020B0403030403020204" pitchFamily="34" charset="0"/>
+              </a:rPr>
+              <a:t>Raising Error</a:t>
+            </a:r>
+          </a:p>
+        </p:txBody>
+      </p:sp>
+      <p:pic>
+        <p:nvPicPr>
+          <p:cNvPr id="5" name="Picture 4">
+            <a:extLst>
+              <a:ext uri="{FF2B5EF4-FFF2-40B4-BE49-F238E27FC236}">
+                <a16:creationId xmlns:a16="http://schemas.microsoft.com/office/drawing/2014/main" id="{2998C12C-9723-4FB1-B3BF-A5474C52405A}"/>
+              </a:ext>
+            </a:extLst>
+          </p:cNvPr>
+          <p:cNvPicPr>
+            <a:picLocks noChangeAspect="1"/>
+          </p:cNvPicPr>
+          <p:nvPr/>
+        </p:nvPicPr>
+        <p:blipFill>
+          <a:blip r:embed="rId2" cstate="print">
+            <a:extLst>
+              <a:ext uri="{28A0092B-C50C-407E-A947-70E740481C1C}">
+                <a14:useLocalDpi xmlns:a14="http://schemas.microsoft.com/office/drawing/2010/main" val="0"/>
+              </a:ext>
+            </a:extLst>
+          </a:blip>
+          <a:stretch>
+            <a:fillRect/>
+          </a:stretch>
+        </p:blipFill>
+        <p:spPr>
+          <a:xfrm>
+            <a:off x="3722204" y="2946952"/>
+            <a:ext cx="964096" cy="964096"/>
+          </a:xfrm>
+          <a:prstGeom prst="rect">
+            <a:avLst/>
+          </a:prstGeom>
+        </p:spPr>
+      </p:pic>
+    </p:spTree>
+    <p:extLst>
+      <p:ext uri="{BB962C8B-B14F-4D97-AF65-F5344CB8AC3E}">
+        <p14:creationId xmlns:p14="http://schemas.microsoft.com/office/powerpoint/2010/main" val="3880562871"/>
+      </p:ext>
+    </p:extLst>
+  </p:cSld>
+  <p:clrMapOvr>
+    <a:masterClrMapping/>
+  </p:clrMapOvr>
+</p:sld>
+</file>
+
+<file path=ppt/slides/slide2.xml><?xml version="1.0" encoding="utf-8"?>
+<p:sld xmlns:a="http://schemas.openxmlformats.org/drawingml/2006/main" xmlns:r="http://schemas.openxmlformats.org/officeDocument/2006/relationships" xmlns:p="http://schemas.openxmlformats.org/presentationml/2006/main">
+  <p:cSld>
+    <p:spTree>
+      <p:nvGrpSpPr>
+        <p:cNvPr id="1" name=""/>
+        <p:cNvGrpSpPr/>
+        <p:nvPr/>
+      </p:nvGrpSpPr>
+      <p:grpSpPr>
+        <a:xfrm>
+          <a:off x="0" y="0"/>
+          <a:ext cx="0" cy="0"/>
+          <a:chOff x="0" y="0"/>
+          <a:chExt cx="0" cy="0"/>
+        </a:xfrm>
+      </p:grpSpPr>
+      <p:sp>
+        <p:nvSpPr>
           <p:cNvPr id="2" name="Title 1"/>
           <p:cNvSpPr>
             <a:spLocks noGrp="1"/>
@@ -3044,7 +3205,7 @@
 </p:sld>
 </file>
 
-<file path=ppt/slides/slide2.xml><?xml version="1.0" encoding="utf-8"?>
+<file path=ppt/slides/slide3.xml><?xml version="1.0" encoding="utf-8"?>
 <p:sld xmlns:a="http://schemas.openxmlformats.org/drawingml/2006/main" xmlns:r="http://schemas.openxmlformats.org/officeDocument/2006/relationships" xmlns:p="http://schemas.openxmlformats.org/presentationml/2006/main">
   <p:cSld>
     <p:spTree>
@@ -3098,7 +3259,7 @@
 </p:sld>
 </file>
 
-<file path=ppt/slides/slide3.xml><?xml version="1.0" encoding="utf-8"?>
+<file path=ppt/slides/slide4.xml><?xml version="1.0" encoding="utf-8"?>
 <p:sld xmlns:a="http://schemas.openxmlformats.org/drawingml/2006/main" xmlns:r="http://schemas.openxmlformats.org/officeDocument/2006/relationships" xmlns:p="http://schemas.openxmlformats.org/presentationml/2006/main">
   <p:cSld>
     <p:spTree>
@@ -3152,7 +3313,7 @@
 </p:sld>
 </file>
 
-<file path=ppt/slides/slide4.xml><?xml version="1.0" encoding="utf-8"?>
+<file path=ppt/slides/slide5.xml><?xml version="1.0" encoding="utf-8"?>
 <p:sld xmlns:a="http://schemas.openxmlformats.org/drawingml/2006/main" xmlns:r="http://schemas.openxmlformats.org/officeDocument/2006/relationships" xmlns:p="http://schemas.openxmlformats.org/presentationml/2006/main">
   <p:cSld>
     <p:spTree>
@@ -3206,7 +3367,7 @@
 </p:sld>
 </file>
 
-<file path=ppt/slides/slide5.xml><?xml version="1.0" encoding="utf-8"?>
+<file path=ppt/slides/slide6.xml><?xml version="1.0" encoding="utf-8"?>
 <p:sld xmlns:a="http://schemas.openxmlformats.org/drawingml/2006/main" xmlns:r="http://schemas.openxmlformats.org/officeDocument/2006/relationships" xmlns:p="http://schemas.openxmlformats.org/presentationml/2006/main">
   <p:cSld>
     <p:spTree>
@@ -3260,7 +3421,7 @@
 </p:sld>
 </file>
 
-<file path=ppt/slides/slide6.xml><?xml version="1.0" encoding="utf-8"?>
+<file path=ppt/slides/slide7.xml><?xml version="1.0" encoding="utf-8"?>
 <p:sld xmlns:a="http://schemas.openxmlformats.org/drawingml/2006/main" xmlns:r="http://schemas.openxmlformats.org/officeDocument/2006/relationships" xmlns:p="http://schemas.openxmlformats.org/presentationml/2006/main">
   <p:cSld>
     <p:spTree>
